--- a/docs/cs3219archi.pptx
+++ b/docs/cs3219archi.pptx
@@ -716,7 +716,7 @@
           <a:p>
             <a:fld id="{2B284BF7-84C7-4D14-BAEB-92CA3D70EE87}" type="datetime1">
               <a:rPr lang="zh-CN" altLang="en-US" smtClean="0"/>
-              <a:t>2023/10/16</a:t>
+              <a:t>2023/11/13</a:t>
             </a:fld>
             <a:endParaRPr lang="en-US" altLang="zh-CN"/>
           </a:p>
@@ -896,7 +896,7 @@
           <a:p>
             <a:fld id="{A0FF745F-73FC-458D-A5F7-795F0176F722}" type="datetime1">
               <a:rPr lang="zh-CN" altLang="en-US" smtClean="0"/>
-              <a:t>2023/10/16</a:t>
+              <a:t>2023/11/13</a:t>
             </a:fld>
             <a:endParaRPr lang="en-US" altLang="zh-CN"/>
           </a:p>
@@ -1085,7 +1085,7 @@
           <a:p>
             <a:fld id="{29B83F51-C68B-44AD-87E2-D3AEB82C4635}" type="datetime1">
               <a:rPr lang="zh-CN" altLang="en-US" smtClean="0"/>
-              <a:t>2023/10/16</a:t>
+              <a:t>2023/11/13</a:t>
             </a:fld>
             <a:endParaRPr lang="en-US" altLang="zh-CN"/>
           </a:p>
@@ -1264,7 +1264,7 @@
           <a:p>
             <a:fld id="{30AD5800-002E-4FC5-AE62-80762AF1A247}" type="datetime1">
               <a:rPr lang="zh-CN" altLang="en-US" smtClean="0"/>
-              <a:t>2023/10/16</a:t>
+              <a:t>2023/11/13</a:t>
             </a:fld>
             <a:endParaRPr lang="en-US" altLang="zh-CN"/>
           </a:p>
@@ -1467,7 +1467,7 @@
           <a:p>
             <a:fld id="{609FFB8B-1531-448F-A474-88F15D299023}" type="datetime1">
               <a:rPr lang="zh-CN" altLang="en-US" smtClean="0"/>
-              <a:t>2023/10/16</a:t>
+              <a:t>2023/11/13</a:t>
             </a:fld>
             <a:endParaRPr lang="en-US" altLang="zh-CN"/>
           </a:p>
@@ -1764,7 +1764,7 @@
           <a:p>
             <a:fld id="{4A2C6F15-44A0-4579-8647-8DD45DFE1929}" type="datetime1">
               <a:rPr lang="zh-CN" altLang="en-US" smtClean="0"/>
-              <a:t>2023/10/16</a:t>
+              <a:t>2023/11/13</a:t>
             </a:fld>
             <a:endParaRPr lang="en-US" altLang="zh-CN"/>
           </a:p>
@@ -2194,7 +2194,7 @@
           <a:p>
             <a:fld id="{A9629F1C-32BE-4163-8F5E-E73DEDC7B5E8}" type="datetime1">
               <a:rPr lang="zh-CN" altLang="en-US" smtClean="0"/>
-              <a:t>2023/10/16</a:t>
+              <a:t>2023/11/13</a:t>
             </a:fld>
             <a:endParaRPr lang="en-US" altLang="zh-CN"/>
           </a:p>
@@ -2322,7 +2322,7 @@
           <a:p>
             <a:fld id="{58DF968C-4749-4E1F-B588-879A92937716}" type="datetime1">
               <a:rPr lang="zh-CN" altLang="en-US" smtClean="0"/>
-              <a:t>2023/10/16</a:t>
+              <a:t>2023/11/13</a:t>
             </a:fld>
             <a:endParaRPr lang="en-US" altLang="zh-CN"/>
           </a:p>
@@ -2428,7 +2428,7 @@
           <a:p>
             <a:fld id="{674906C5-29CD-40CF-B855-C3A93B7EFF67}" type="datetime1">
               <a:rPr lang="zh-CN" altLang="en-US" smtClean="0"/>
-              <a:t>2023/10/16</a:t>
+              <a:t>2023/11/13</a:t>
             </a:fld>
             <a:endParaRPr lang="en-US" altLang="zh-CN"/>
           </a:p>
@@ -2714,7 +2714,7 @@
           <a:p>
             <a:fld id="{6873B7BF-FB37-4938-A090-0C76259A9311}" type="datetime1">
               <a:rPr lang="zh-CN" altLang="en-US" smtClean="0"/>
-              <a:t>2023/10/16</a:t>
+              <a:t>2023/11/13</a:t>
             </a:fld>
             <a:endParaRPr lang="en-US" altLang="zh-CN"/>
           </a:p>
@@ -2977,7 +2977,7 @@
           <a:p>
             <a:fld id="{BE963C1E-D665-41D8-85AD-72EE23E19CBA}" type="datetime1">
               <a:rPr lang="zh-CN" altLang="en-US" smtClean="0"/>
-              <a:t>2023/10/16</a:t>
+              <a:t>2023/11/13</a:t>
             </a:fld>
             <a:endParaRPr lang="en-US" altLang="zh-CN"/>
           </a:p>
@@ -3225,7 +3225,7 @@
           <a:p>
             <a:fld id="{0018E61E-A59F-45F5-8759-870DD1D657DC}" type="datetime1">
               <a:rPr lang="zh-CN" altLang="en-US" smtClean="0"/>
-              <a:t>2023/10/16</a:t>
+              <a:t>2023/11/13</a:t>
             </a:fld>
             <a:endParaRPr lang="en-US" altLang="zh-CN"/>
           </a:p>
@@ -3942,8 +3942,8 @@
         </p:nvSpPr>
         <p:spPr>
           <a:xfrm>
-            <a:off x="3822078" y="5125789"/>
-            <a:ext cx="3950322" cy="1532763"/>
+            <a:off x="3822077" y="5125789"/>
+            <a:ext cx="4712323" cy="1532763"/>
           </a:xfrm>
           <a:prstGeom prst="roundRect">
             <a:avLst>
@@ -5411,36 +5411,6 @@
           </a:fontRef>
         </p:style>
       </p:cxnSp>
-      <p:pic>
-        <p:nvPicPr>
-          <p:cNvPr id="385" name="Picture 384">
-            <a:extLst>
-              <a:ext uri="{FF2B5EF4-FFF2-40B4-BE49-F238E27FC236}">
-                <a16:creationId xmlns:a16="http://schemas.microsoft.com/office/drawing/2014/main" id="{792D79C3-60D4-C2D9-1069-575968E3DA55}"/>
-              </a:ext>
-            </a:extLst>
-          </p:cNvPr>
-          <p:cNvPicPr>
-            <a:picLocks noChangeAspect="1"/>
-          </p:cNvPicPr>
-          <p:nvPr/>
-        </p:nvPicPr>
-        <p:blipFill>
-          <a:blip r:embed="rId9"/>
-          <a:stretch>
-            <a:fillRect/>
-          </a:stretch>
-        </p:blipFill>
-        <p:spPr>
-          <a:xfrm>
-            <a:off x="3660568" y="1676400"/>
-            <a:ext cx="368646" cy="442375"/>
-          </a:xfrm>
-          <a:prstGeom prst="rect">
-            <a:avLst/>
-          </a:prstGeom>
-        </p:spPr>
-      </p:pic>
       <p:cxnSp>
         <p:nvCxnSpPr>
           <p:cNvPr id="386" name="Straight Arrow Connector 385">
@@ -5573,51 +5543,6 @@
       </p:sp>
       <p:cxnSp>
         <p:nvCxnSpPr>
-          <p:cNvPr id="391" name="Straight Arrow Connector 390">
-            <a:extLst>
-              <a:ext uri="{FF2B5EF4-FFF2-40B4-BE49-F238E27FC236}">
-                <a16:creationId xmlns:a16="http://schemas.microsoft.com/office/drawing/2014/main" id="{DB4BABC6-15AA-7872-5988-76C9FB058509}"/>
-              </a:ext>
-            </a:extLst>
-          </p:cNvPr>
-          <p:cNvCxnSpPr>
-            <a:cxnSpLocks/>
-          </p:cNvCxnSpPr>
-          <p:nvPr/>
-        </p:nvCxnSpPr>
-        <p:spPr>
-          <a:xfrm>
-            <a:off x="3600713" y="2165859"/>
-            <a:ext cx="469306" cy="7294"/>
-          </a:xfrm>
-          <a:prstGeom prst="straightConnector1">
-            <a:avLst/>
-          </a:prstGeom>
-          <a:ln w="38100">
-            <a:solidFill>
-              <a:srgbClr val="FF7C00"/>
-            </a:solidFill>
-            <a:headEnd type="triangle"/>
-            <a:tailEnd type="triangle"/>
-          </a:ln>
-        </p:spPr>
-        <p:style>
-          <a:lnRef idx="1">
-            <a:schemeClr val="accent1"/>
-          </a:lnRef>
-          <a:fillRef idx="0">
-            <a:schemeClr val="accent1"/>
-          </a:fillRef>
-          <a:effectRef idx="0">
-            <a:schemeClr val="accent1"/>
-          </a:effectRef>
-          <a:fontRef idx="minor">
-            <a:schemeClr val="tx1"/>
-          </a:fontRef>
-        </p:style>
-      </p:cxnSp>
-      <p:cxnSp>
-        <p:nvCxnSpPr>
           <p:cNvPr id="393" name="Straight Arrow Connector 392">
             <a:extLst>
               <a:ext uri="{FF2B5EF4-FFF2-40B4-BE49-F238E27FC236}">
@@ -5663,36 +5588,6 @@
           </a:fontRef>
         </p:style>
       </p:cxnSp>
-      <p:pic>
-        <p:nvPicPr>
-          <p:cNvPr id="399" name="Picture 398">
-            <a:extLst>
-              <a:ext uri="{FF2B5EF4-FFF2-40B4-BE49-F238E27FC236}">
-                <a16:creationId xmlns:a16="http://schemas.microsoft.com/office/drawing/2014/main" id="{C3EF36A9-9231-3B48-DBF2-2204EB70EA9C}"/>
-              </a:ext>
-            </a:extLst>
-          </p:cNvPr>
-          <p:cNvPicPr>
-            <a:picLocks noChangeAspect="1"/>
-          </p:cNvPicPr>
-          <p:nvPr/>
-        </p:nvPicPr>
-        <p:blipFill>
-          <a:blip r:embed="rId10"/>
-          <a:stretch>
-            <a:fillRect/>
-          </a:stretch>
-        </p:blipFill>
-        <p:spPr>
-          <a:xfrm>
-            <a:off x="8458200" y="3962400"/>
-            <a:ext cx="548172" cy="553741"/>
-          </a:xfrm>
-          <a:prstGeom prst="rect">
-            <a:avLst/>
-          </a:prstGeom>
-        </p:spPr>
-      </p:pic>
       <p:cxnSp>
         <p:nvCxnSpPr>
           <p:cNvPr id="400" name="Straight Arrow Connector 399">
@@ -5754,7 +5649,7 @@
           <p:nvPr/>
         </p:nvPicPr>
         <p:blipFill>
-          <a:blip r:embed="rId11"/>
+          <a:blip r:embed="rId9"/>
           <a:stretch>
             <a:fillRect/>
           </a:stretch>
@@ -5784,7 +5679,7 @@
           <p:nvPr/>
         </p:nvPicPr>
         <p:blipFill>
-          <a:blip r:embed="rId12" cstate="print">
+          <a:blip r:embed="rId10" cstate="print">
             <a:extLst>
               <a:ext uri="{28A0092B-C50C-407E-A947-70E740481C1C}">
                 <a14:useLocalDpi xmlns:a14="http://schemas.microsoft.com/office/drawing/2010/main" val="0"/>
@@ -5820,7 +5715,7 @@
           <p:nvPr/>
         </p:nvPicPr>
         <p:blipFill>
-          <a:blip r:embed="rId13"/>
+          <a:blip r:embed="rId11"/>
           <a:stretch>
             <a:fillRect/>
           </a:stretch>
@@ -6026,7 +5921,7 @@
           <p:nvPr/>
         </p:nvPicPr>
         <p:blipFill>
-          <a:blip r:embed="rId14" cstate="print">
+          <a:blip r:embed="rId12" cstate="print">
             <a:extLst>
               <a:ext uri="{28A0092B-C50C-407E-A947-70E740481C1C}">
                 <a14:useLocalDpi xmlns:a14="http://schemas.microsoft.com/office/drawing/2010/main" val="0"/>
@@ -6845,13 +6740,13 @@
           <p:nvPr/>
         </p:nvPicPr>
         <p:blipFill>
-          <a:blip r:embed="rId15" cstate="print">
+          <a:blip r:embed="rId13" cstate="print">
             <a:extLst>
               <a:ext uri="{28A0092B-C50C-407E-A947-70E740481C1C}">
                 <a14:useLocalDpi xmlns:a14="http://schemas.microsoft.com/office/drawing/2010/main" val="0"/>
               </a:ext>
               <a:ext uri="{96DAC541-7B7A-43D3-8B79-37D633B846F1}">
-                <asvg:svgBlip xmlns:asvg="http://schemas.microsoft.com/office/drawing/2016/SVG/main" r:embed="rId16"/>
+                <asvg:svgBlip xmlns:asvg="http://schemas.microsoft.com/office/drawing/2016/SVG/main" r:embed="rId14"/>
               </a:ext>
             </a:extLst>
           </a:blip>
@@ -7008,7 +6903,7 @@
           <p:nvPr/>
         </p:nvPicPr>
         <p:blipFill>
-          <a:blip r:embed="rId17"/>
+          <a:blip r:embed="rId15"/>
           <a:stretch>
             <a:fillRect/>
           </a:stretch>
@@ -7257,6 +7152,113 @@
           </a:fontRef>
         </p:style>
       </p:cxnSp>
+      <p:cxnSp>
+        <p:nvCxnSpPr>
+          <p:cNvPr id="2" name="Straight Arrow Connector 1">
+            <a:extLst>
+              <a:ext uri="{FF2B5EF4-FFF2-40B4-BE49-F238E27FC236}">
+                <a16:creationId xmlns:a16="http://schemas.microsoft.com/office/drawing/2014/main" id="{2F9ADA66-8DB3-8732-730D-D60092CD6268}"/>
+              </a:ext>
+            </a:extLst>
+          </p:cNvPr>
+          <p:cNvCxnSpPr>
+            <a:cxnSpLocks/>
+          </p:cNvCxnSpPr>
+          <p:nvPr/>
+        </p:nvCxnSpPr>
+        <p:spPr>
+          <a:xfrm flipH="1" flipV="1">
+            <a:off x="3575450" y="2102159"/>
+            <a:ext cx="503610" cy="1542"/>
+          </a:xfrm>
+          <a:prstGeom prst="straightConnector1">
+            <a:avLst/>
+          </a:prstGeom>
+          <a:ln w="38100">
+            <a:solidFill>
+              <a:schemeClr val="bg1">
+                <a:lumMod val="50000"/>
+              </a:schemeClr>
+            </a:solidFill>
+            <a:headEnd type="triangle"/>
+            <a:tailEnd type="triangle"/>
+          </a:ln>
+        </p:spPr>
+        <p:style>
+          <a:lnRef idx="1">
+            <a:schemeClr val="accent1"/>
+          </a:lnRef>
+          <a:fillRef idx="0">
+            <a:schemeClr val="accent1"/>
+          </a:fillRef>
+          <a:effectRef idx="0">
+            <a:schemeClr val="accent1"/>
+          </a:effectRef>
+          <a:fontRef idx="minor">
+            <a:schemeClr val="tx1"/>
+          </a:fontRef>
+        </p:style>
+      </p:cxnSp>
+      <p:pic>
+        <p:nvPicPr>
+          <p:cNvPr id="6" name="Picture 5">
+            <a:extLst>
+              <a:ext uri="{FF2B5EF4-FFF2-40B4-BE49-F238E27FC236}">
+                <a16:creationId xmlns:a16="http://schemas.microsoft.com/office/drawing/2014/main" id="{39561FD6-EB44-5330-45BF-1BEC34FF90E5}"/>
+              </a:ext>
+            </a:extLst>
+          </p:cNvPr>
+          <p:cNvPicPr>
+            <a:picLocks noChangeAspect="1"/>
+          </p:cNvPicPr>
+          <p:nvPr/>
+        </p:nvPicPr>
+        <p:blipFill>
+          <a:blip r:embed="rId16"/>
+          <a:stretch>
+            <a:fillRect/>
+          </a:stretch>
+        </p:blipFill>
+        <p:spPr>
+          <a:xfrm>
+            <a:off x="8438313" y="3745231"/>
+            <a:ext cx="633831" cy="729590"/>
+          </a:xfrm>
+          <a:prstGeom prst="rect">
+            <a:avLst/>
+          </a:prstGeom>
+        </p:spPr>
+      </p:pic>
+      <p:pic>
+        <p:nvPicPr>
+          <p:cNvPr id="16" name="Picture 15">
+            <a:extLst>
+              <a:ext uri="{FF2B5EF4-FFF2-40B4-BE49-F238E27FC236}">
+                <a16:creationId xmlns:a16="http://schemas.microsoft.com/office/drawing/2014/main" id="{77A47465-ABF7-05C8-AB64-699DA14DC74A}"/>
+              </a:ext>
+            </a:extLst>
+          </p:cNvPr>
+          <p:cNvPicPr>
+            <a:picLocks noChangeAspect="1"/>
+          </p:cNvPicPr>
+          <p:nvPr/>
+        </p:nvPicPr>
+        <p:blipFill>
+          <a:blip r:embed="rId17"/>
+          <a:stretch>
+            <a:fillRect/>
+          </a:stretch>
+        </p:blipFill>
+        <p:spPr>
+          <a:xfrm>
+            <a:off x="7607899" y="5846678"/>
+            <a:ext cx="826000" cy="764663"/>
+          </a:xfrm>
+          <a:prstGeom prst="rect">
+            <a:avLst/>
+          </a:prstGeom>
+        </p:spPr>
+      </p:pic>
     </p:spTree>
     <p:extLst>
       <p:ext uri="{BB962C8B-B14F-4D97-AF65-F5344CB8AC3E}">

--- a/docs/cs3219archi.pptx
+++ b/docs/cs3219archi.pptx
@@ -154,6 +154,451 @@
     </p:ext>
   </p:extLst>
 </p:presentation>
+</file>
+
+<file path=ppt/revisionInfo.xml><?xml version="1.0" encoding="utf-8"?>
+<p1510:revInfo xmlns:a="http://schemas.openxmlformats.org/drawingml/2006/main" xmlns:r="http://schemas.openxmlformats.org/officeDocument/2006/relationships" xmlns:p1510="http://schemas.microsoft.com/office/powerpoint/2015/10/main">
+  <p1510:revLst>
+    <p1510:client id="{AD7BDFF0-25B0-4CC0-82C3-E051218C1442}" v="4" dt="2023-11-13T06:50:08.152"/>
+  </p1510:revLst>
+</p1510:revInfo>
+</file>
+
+<file path=ppt/changesInfos/changesInfo1.xml><?xml version="1.0" encoding="utf-8"?>
+<pc:chgInfo xmlns:a="http://schemas.openxmlformats.org/drawingml/2006/main" xmlns:r="http://schemas.openxmlformats.org/officeDocument/2006/relationships" xmlns:ac="http://schemas.microsoft.com/office/drawing/2013/main/command" xmlns:pc="http://schemas.microsoft.com/office/powerpoint/2013/main/command">
+  <pc:docChgLst>
+    <pc:chgData name="Jiefan Wang" userId="a454bc85b889c0e6" providerId="LiveId" clId="{AD7BDFF0-25B0-4CC0-82C3-E051218C1442}"/>
+    <pc:docChg chg="custSel modSld">
+      <pc:chgData name="Jiefan Wang" userId="a454bc85b889c0e6" providerId="LiveId" clId="{AD7BDFF0-25B0-4CC0-82C3-E051218C1442}" dt="2023-11-13T06:50:53.375" v="16" actId="14100"/>
+      <pc:docMkLst>
+        <pc:docMk/>
+      </pc:docMkLst>
+      <pc:sldChg chg="delSp modSp mod">
+        <pc:chgData name="Jiefan Wang" userId="a454bc85b889c0e6" providerId="LiveId" clId="{AD7BDFF0-25B0-4CC0-82C3-E051218C1442}" dt="2023-11-13T06:50:53.375" v="16" actId="14100"/>
+        <pc:sldMkLst>
+          <pc:docMk/>
+          <pc:sldMk cId="765410610" sldId="349"/>
+        </pc:sldMkLst>
+        <pc:spChg chg="mod">
+          <ac:chgData name="Jiefan Wang" userId="a454bc85b889c0e6" providerId="LiveId" clId="{AD7BDFF0-25B0-4CC0-82C3-E051218C1442}" dt="2023-11-13T06:50:27.771" v="15" actId="1037"/>
+          <ac:spMkLst>
+            <pc:docMk/>
+            <pc:sldMk cId="765410610" sldId="349"/>
+            <ac:spMk id="271" creationId="{316024F6-63C5-C2D8-2645-026430C4A9F9}"/>
+          </ac:spMkLst>
+        </pc:spChg>
+        <pc:spChg chg="mod">
+          <ac:chgData name="Jiefan Wang" userId="a454bc85b889c0e6" providerId="LiveId" clId="{AD7BDFF0-25B0-4CC0-82C3-E051218C1442}" dt="2023-11-13T06:50:27.771" v="15" actId="1037"/>
+          <ac:spMkLst>
+            <pc:docMk/>
+            <pc:sldMk cId="765410610" sldId="349"/>
+            <ac:spMk id="275" creationId="{573DA0D9-DCF6-E50B-C6B7-D429FE5AF251}"/>
+          </ac:spMkLst>
+        </pc:spChg>
+        <pc:spChg chg="mod">
+          <ac:chgData name="Jiefan Wang" userId="a454bc85b889c0e6" providerId="LiveId" clId="{AD7BDFF0-25B0-4CC0-82C3-E051218C1442}" dt="2023-11-13T06:50:27.771" v="15" actId="1037"/>
+          <ac:spMkLst>
+            <pc:docMk/>
+            <pc:sldMk cId="765410610" sldId="349"/>
+            <ac:spMk id="276" creationId="{352E6065-44CE-BC6E-FCC4-56FA7ADC8FC2}"/>
+          </ac:spMkLst>
+        </pc:spChg>
+        <pc:spChg chg="mod">
+          <ac:chgData name="Jiefan Wang" userId="a454bc85b889c0e6" providerId="LiveId" clId="{AD7BDFF0-25B0-4CC0-82C3-E051218C1442}" dt="2023-11-13T06:50:53.375" v="16" actId="14100"/>
+          <ac:spMkLst>
+            <pc:docMk/>
+            <pc:sldMk cId="765410610" sldId="349"/>
+            <ac:spMk id="278" creationId="{FFB7D94F-FB80-4252-969E-43006A96D43C}"/>
+          </ac:spMkLst>
+        </pc:spChg>
+        <pc:spChg chg="mod">
+          <ac:chgData name="Jiefan Wang" userId="a454bc85b889c0e6" providerId="LiveId" clId="{AD7BDFF0-25B0-4CC0-82C3-E051218C1442}" dt="2023-11-13T06:50:12.676" v="6" actId="1076"/>
+          <ac:spMkLst>
+            <pc:docMk/>
+            <pc:sldMk cId="765410610" sldId="349"/>
+            <ac:spMk id="279" creationId="{A3B19CF7-ABB5-1BB3-DC9B-A4F3C960923D}"/>
+          </ac:spMkLst>
+        </pc:spChg>
+        <pc:spChg chg="mod">
+          <ac:chgData name="Jiefan Wang" userId="a454bc85b889c0e6" providerId="LiveId" clId="{AD7BDFF0-25B0-4CC0-82C3-E051218C1442}" dt="2023-11-13T06:50:27.771" v="15" actId="1037"/>
+          <ac:spMkLst>
+            <pc:docMk/>
+            <pc:sldMk cId="765410610" sldId="349"/>
+            <ac:spMk id="303" creationId="{E1B97AA5-5467-C923-5084-40334B5FFCAF}"/>
+          </ac:spMkLst>
+        </pc:spChg>
+        <pc:spChg chg="mod">
+          <ac:chgData name="Jiefan Wang" userId="a454bc85b889c0e6" providerId="LiveId" clId="{AD7BDFF0-25B0-4CC0-82C3-E051218C1442}" dt="2023-11-13T06:50:27.771" v="15" actId="1037"/>
+          <ac:spMkLst>
+            <pc:docMk/>
+            <pc:sldMk cId="765410610" sldId="349"/>
+            <ac:spMk id="304" creationId="{1873E561-5F52-D2A9-5F5D-698857FFB0CC}"/>
+          </ac:spMkLst>
+        </pc:spChg>
+        <pc:spChg chg="mod">
+          <ac:chgData name="Jiefan Wang" userId="a454bc85b889c0e6" providerId="LiveId" clId="{AD7BDFF0-25B0-4CC0-82C3-E051218C1442}" dt="2023-11-13T06:50:27.771" v="15" actId="1037"/>
+          <ac:spMkLst>
+            <pc:docMk/>
+            <pc:sldMk cId="765410610" sldId="349"/>
+            <ac:spMk id="347" creationId="{39DE5FE5-FAF1-427C-B892-5CE41D08E339}"/>
+          </ac:spMkLst>
+        </pc:spChg>
+        <pc:spChg chg="mod">
+          <ac:chgData name="Jiefan Wang" userId="a454bc85b889c0e6" providerId="LiveId" clId="{AD7BDFF0-25B0-4CC0-82C3-E051218C1442}" dt="2023-11-13T06:50:27.771" v="15" actId="1037"/>
+          <ac:spMkLst>
+            <pc:docMk/>
+            <pc:sldMk cId="765410610" sldId="349"/>
+            <ac:spMk id="388" creationId="{2F0226EC-54D1-4EB3-3BBE-3CA6FD5AB455}"/>
+          </ac:spMkLst>
+        </pc:spChg>
+        <pc:spChg chg="mod">
+          <ac:chgData name="Jiefan Wang" userId="a454bc85b889c0e6" providerId="LiveId" clId="{AD7BDFF0-25B0-4CC0-82C3-E051218C1442}" dt="2023-11-13T06:50:27.771" v="15" actId="1037"/>
+          <ac:spMkLst>
+            <pc:docMk/>
+            <pc:sldMk cId="765410610" sldId="349"/>
+            <ac:spMk id="390" creationId="{16F6D71A-1D17-5F68-DD36-B99F6AE02AFF}"/>
+          </ac:spMkLst>
+        </pc:spChg>
+        <pc:grpChg chg="mod">
+          <ac:chgData name="Jiefan Wang" userId="a454bc85b889c0e6" providerId="LiveId" clId="{AD7BDFF0-25B0-4CC0-82C3-E051218C1442}" dt="2023-11-13T06:50:27.771" v="15" actId="1037"/>
+          <ac:grpSpMkLst>
+            <pc:docMk/>
+            <pc:sldMk cId="765410610" sldId="349"/>
+            <ac:grpSpMk id="21" creationId="{C0E06EAD-ECC6-8290-234B-8EEBD6DD959D}"/>
+          </ac:grpSpMkLst>
+        </pc:grpChg>
+        <pc:grpChg chg="mod">
+          <ac:chgData name="Jiefan Wang" userId="a454bc85b889c0e6" providerId="LiveId" clId="{AD7BDFF0-25B0-4CC0-82C3-E051218C1442}" dt="2023-11-13T06:50:27.771" v="15" actId="1037"/>
+          <ac:grpSpMkLst>
+            <pc:docMk/>
+            <pc:sldMk cId="765410610" sldId="349"/>
+            <ac:grpSpMk id="31" creationId="{3D538A07-6085-4E0F-CF77-02CBE141BD15}"/>
+          </ac:grpSpMkLst>
+        </pc:grpChg>
+        <pc:grpChg chg="mod">
+          <ac:chgData name="Jiefan Wang" userId="a454bc85b889c0e6" providerId="LiveId" clId="{AD7BDFF0-25B0-4CC0-82C3-E051218C1442}" dt="2023-11-13T06:50:27.771" v="15" actId="1037"/>
+          <ac:grpSpMkLst>
+            <pc:docMk/>
+            <pc:sldMk cId="765410610" sldId="349"/>
+            <ac:grpSpMk id="35" creationId="{BE314AA8-E282-4E08-1D27-E60AB0AB1B82}"/>
+          </ac:grpSpMkLst>
+        </pc:grpChg>
+        <pc:grpChg chg="mod">
+          <ac:chgData name="Jiefan Wang" userId="a454bc85b889c0e6" providerId="LiveId" clId="{AD7BDFF0-25B0-4CC0-82C3-E051218C1442}" dt="2023-11-13T06:50:27.771" v="15" actId="1037"/>
+          <ac:grpSpMkLst>
+            <pc:docMk/>
+            <pc:sldMk cId="765410610" sldId="349"/>
+            <ac:grpSpMk id="39" creationId="{0966DA95-3EFA-20C2-7187-5673A93C005B}"/>
+          </ac:grpSpMkLst>
+        </pc:grpChg>
+        <pc:grpChg chg="mod">
+          <ac:chgData name="Jiefan Wang" userId="a454bc85b889c0e6" providerId="LiveId" clId="{AD7BDFF0-25B0-4CC0-82C3-E051218C1442}" dt="2023-11-13T06:50:27.771" v="15" actId="1037"/>
+          <ac:grpSpMkLst>
+            <pc:docMk/>
+            <pc:sldMk cId="765410610" sldId="349"/>
+            <ac:grpSpMk id="43" creationId="{9771CA92-A1AD-A901-EF59-33D02D87EA23}"/>
+          </ac:grpSpMkLst>
+        </pc:grpChg>
+        <pc:grpChg chg="mod">
+          <ac:chgData name="Jiefan Wang" userId="a454bc85b889c0e6" providerId="LiveId" clId="{AD7BDFF0-25B0-4CC0-82C3-E051218C1442}" dt="2023-11-13T06:50:27.771" v="15" actId="1037"/>
+          <ac:grpSpMkLst>
+            <pc:docMk/>
+            <pc:sldMk cId="765410610" sldId="349"/>
+            <ac:grpSpMk id="47" creationId="{FB5C583F-2663-2238-789A-9E2427DD6F3D}"/>
+          </ac:grpSpMkLst>
+        </pc:grpChg>
+        <pc:grpChg chg="mod">
+          <ac:chgData name="Jiefan Wang" userId="a454bc85b889c0e6" providerId="LiveId" clId="{AD7BDFF0-25B0-4CC0-82C3-E051218C1442}" dt="2023-11-13T06:50:27.771" v="15" actId="1037"/>
+          <ac:grpSpMkLst>
+            <pc:docMk/>
+            <pc:sldMk cId="765410610" sldId="349"/>
+            <ac:grpSpMk id="56" creationId="{B1295962-F1C7-E297-1119-251EBF44B406}"/>
+          </ac:grpSpMkLst>
+        </pc:grpChg>
+        <pc:grpChg chg="mod">
+          <ac:chgData name="Jiefan Wang" userId="a454bc85b889c0e6" providerId="LiveId" clId="{AD7BDFF0-25B0-4CC0-82C3-E051218C1442}" dt="2023-11-13T06:50:27.771" v="15" actId="1037"/>
+          <ac:grpSpMkLst>
+            <pc:docMk/>
+            <pc:sldMk cId="765410610" sldId="349"/>
+            <ac:grpSpMk id="272" creationId="{AF6F62EF-8FEE-0AB7-946B-D22ABB4A9A7B}"/>
+          </ac:grpSpMkLst>
+        </pc:grpChg>
+        <pc:grpChg chg="mod">
+          <ac:chgData name="Jiefan Wang" userId="a454bc85b889c0e6" providerId="LiveId" clId="{AD7BDFF0-25B0-4CC0-82C3-E051218C1442}" dt="2023-11-13T06:50:27.771" v="15" actId="1037"/>
+          <ac:grpSpMkLst>
+            <pc:docMk/>
+            <pc:sldMk cId="765410610" sldId="349"/>
+            <ac:grpSpMk id="277" creationId="{4F4E12DB-14C5-8541-A32B-8FB82CF2E81A}"/>
+          </ac:grpSpMkLst>
+        </pc:grpChg>
+        <pc:grpChg chg="mod">
+          <ac:chgData name="Jiefan Wang" userId="a454bc85b889c0e6" providerId="LiveId" clId="{AD7BDFF0-25B0-4CC0-82C3-E051218C1442}" dt="2023-11-13T06:50:27.771" v="15" actId="1037"/>
+          <ac:grpSpMkLst>
+            <pc:docMk/>
+            <pc:sldMk cId="765410610" sldId="349"/>
+            <ac:grpSpMk id="305" creationId="{155BFE88-587E-A0B3-06D3-884E96D39CAF}"/>
+          </ac:grpSpMkLst>
+        </pc:grpChg>
+        <pc:grpChg chg="mod">
+          <ac:chgData name="Jiefan Wang" userId="a454bc85b889c0e6" providerId="LiveId" clId="{AD7BDFF0-25B0-4CC0-82C3-E051218C1442}" dt="2023-11-13T06:50:27.771" v="15" actId="1037"/>
+          <ac:grpSpMkLst>
+            <pc:docMk/>
+            <pc:sldMk cId="765410610" sldId="349"/>
+            <ac:grpSpMk id="311" creationId="{594A9FF5-4829-EE9D-22C4-CFF3458E1CA3}"/>
+          </ac:grpSpMkLst>
+        </pc:grpChg>
+        <pc:grpChg chg="mod">
+          <ac:chgData name="Jiefan Wang" userId="a454bc85b889c0e6" providerId="LiveId" clId="{AD7BDFF0-25B0-4CC0-82C3-E051218C1442}" dt="2023-11-13T06:50:27.771" v="15" actId="1037"/>
+          <ac:grpSpMkLst>
+            <pc:docMk/>
+            <pc:sldMk cId="765410610" sldId="349"/>
+            <ac:grpSpMk id="329" creationId="{1B66375A-D1C6-E9CF-DC71-50389460843E}"/>
+          </ac:grpSpMkLst>
+        </pc:grpChg>
+        <pc:grpChg chg="mod">
+          <ac:chgData name="Jiefan Wang" userId="a454bc85b889c0e6" providerId="LiveId" clId="{AD7BDFF0-25B0-4CC0-82C3-E051218C1442}" dt="2023-11-13T06:50:27.771" v="15" actId="1037"/>
+          <ac:grpSpMkLst>
+            <pc:docMk/>
+            <pc:sldMk cId="765410610" sldId="349"/>
+            <ac:grpSpMk id="358" creationId="{84B8A00A-1FBA-14AE-A0E0-88971A536ED4}"/>
+          </ac:grpSpMkLst>
+        </pc:grpChg>
+        <pc:picChg chg="mod">
+          <ac:chgData name="Jiefan Wang" userId="a454bc85b889c0e6" providerId="LiveId" clId="{AD7BDFF0-25B0-4CC0-82C3-E051218C1442}" dt="2023-11-13T06:50:27.771" v="15" actId="1037"/>
+          <ac:picMkLst>
+            <pc:docMk/>
+            <pc:sldMk cId="765410610" sldId="349"/>
+            <ac:picMk id="6" creationId="{39561FD6-EB44-5330-45BF-1BEC34FF90E5}"/>
+          </ac:picMkLst>
+        </pc:picChg>
+        <pc:picChg chg="mod">
+          <ac:chgData name="Jiefan Wang" userId="a454bc85b889c0e6" providerId="LiveId" clId="{AD7BDFF0-25B0-4CC0-82C3-E051218C1442}" dt="2023-11-13T06:50:27.771" v="15" actId="1037"/>
+          <ac:picMkLst>
+            <pc:docMk/>
+            <pc:sldMk cId="765410610" sldId="349"/>
+            <ac:picMk id="11" creationId="{7FF64BAA-0068-124D-F578-2B772E67B2F3}"/>
+          </ac:picMkLst>
+        </pc:picChg>
+        <pc:picChg chg="mod">
+          <ac:chgData name="Jiefan Wang" userId="a454bc85b889c0e6" providerId="LiveId" clId="{AD7BDFF0-25B0-4CC0-82C3-E051218C1442}" dt="2023-11-13T06:50:27.771" v="15" actId="1037"/>
+          <ac:picMkLst>
+            <pc:docMk/>
+            <pc:sldMk cId="765410610" sldId="349"/>
+            <ac:picMk id="15" creationId="{F404A301-DAA4-34D7-AC00-F53AC07E334F}"/>
+          </ac:picMkLst>
+        </pc:picChg>
+        <pc:picChg chg="del">
+          <ac:chgData name="Jiefan Wang" userId="a454bc85b889c0e6" providerId="LiveId" clId="{AD7BDFF0-25B0-4CC0-82C3-E051218C1442}" dt="2023-11-13T06:50:16.195" v="7" actId="478"/>
+          <ac:picMkLst>
+            <pc:docMk/>
+            <pc:sldMk cId="765410610" sldId="349"/>
+            <ac:picMk id="16" creationId="{77A47465-ABF7-05C8-AB64-699DA14DC74A}"/>
+          </ac:picMkLst>
+        </pc:picChg>
+        <pc:picChg chg="mod">
+          <ac:chgData name="Jiefan Wang" userId="a454bc85b889c0e6" providerId="LiveId" clId="{AD7BDFF0-25B0-4CC0-82C3-E051218C1442}" dt="2023-11-13T06:50:27.771" v="15" actId="1037"/>
+          <ac:picMkLst>
+            <pc:docMk/>
+            <pc:sldMk cId="765410610" sldId="349"/>
+            <ac:picMk id="17" creationId="{3119A966-E85D-8BA3-D4F6-514F504BDBAD}"/>
+          </ac:picMkLst>
+        </pc:picChg>
+        <pc:picChg chg="mod">
+          <ac:chgData name="Jiefan Wang" userId="a454bc85b889c0e6" providerId="LiveId" clId="{AD7BDFF0-25B0-4CC0-82C3-E051218C1442}" dt="2023-11-13T06:50:27.771" v="15" actId="1037"/>
+          <ac:picMkLst>
+            <pc:docMk/>
+            <pc:sldMk cId="765410610" sldId="349"/>
+            <ac:picMk id="30" creationId="{0BF37517-9CE4-1D88-FCC2-1CDDF3515B2F}"/>
+          </ac:picMkLst>
+        </pc:picChg>
+        <pc:picChg chg="mod">
+          <ac:chgData name="Jiefan Wang" userId="a454bc85b889c0e6" providerId="LiveId" clId="{AD7BDFF0-25B0-4CC0-82C3-E051218C1442}" dt="2023-11-13T06:50:27.771" v="15" actId="1037"/>
+          <ac:picMkLst>
+            <pc:docMk/>
+            <pc:sldMk cId="765410610" sldId="349"/>
+            <ac:picMk id="55" creationId="{D6FE5ACC-1A38-1778-8EE6-5131D528CDA6}"/>
+          </ac:picMkLst>
+        </pc:picChg>
+        <pc:picChg chg="mod">
+          <ac:chgData name="Jiefan Wang" userId="a454bc85b889c0e6" providerId="LiveId" clId="{AD7BDFF0-25B0-4CC0-82C3-E051218C1442}" dt="2023-11-13T06:50:27.771" v="15" actId="1037"/>
+          <ac:picMkLst>
+            <pc:docMk/>
+            <pc:sldMk cId="765410610" sldId="349"/>
+            <ac:picMk id="60" creationId="{DE34EBD7-3F9D-21D3-648E-94A17CD1161F}"/>
+          </ac:picMkLst>
+        </pc:picChg>
+        <pc:picChg chg="del mod">
+          <ac:chgData name="Jiefan Wang" userId="a454bc85b889c0e6" providerId="LiveId" clId="{AD7BDFF0-25B0-4CC0-82C3-E051218C1442}" dt="2023-11-13T06:49:46.911" v="1" actId="478"/>
+          <ac:picMkLst>
+            <pc:docMk/>
+            <pc:sldMk cId="765410610" sldId="349"/>
+            <ac:picMk id="280" creationId="{BBE61C4C-AC5F-EFDF-DDB6-92E203CDE5A5}"/>
+          </ac:picMkLst>
+        </pc:picChg>
+        <pc:picChg chg="mod">
+          <ac:chgData name="Jiefan Wang" userId="a454bc85b889c0e6" providerId="LiveId" clId="{AD7BDFF0-25B0-4CC0-82C3-E051218C1442}" dt="2023-11-13T06:50:08.150" v="4" actId="1076"/>
+          <ac:picMkLst>
+            <pc:docMk/>
+            <pc:sldMk cId="765410610" sldId="349"/>
+            <ac:picMk id="281" creationId="{5C1D99FC-B29A-9F34-FAFF-FD05DD62EB5C}"/>
+          </ac:picMkLst>
+        </pc:picChg>
+        <pc:picChg chg="mod">
+          <ac:chgData name="Jiefan Wang" userId="a454bc85b889c0e6" providerId="LiveId" clId="{AD7BDFF0-25B0-4CC0-82C3-E051218C1442}" dt="2023-11-13T06:50:08.150" v="4" actId="1076"/>
+          <ac:picMkLst>
+            <pc:docMk/>
+            <pc:sldMk cId="765410610" sldId="349"/>
+            <ac:picMk id="282" creationId="{E100F8AC-5AD6-C2B4-5736-ED76E8E62D37}"/>
+          </ac:picMkLst>
+        </pc:picChg>
+        <pc:picChg chg="del">
+          <ac:chgData name="Jiefan Wang" userId="a454bc85b889c0e6" providerId="LiveId" clId="{AD7BDFF0-25B0-4CC0-82C3-E051218C1442}" dt="2023-11-13T06:49:46.115" v="0" actId="478"/>
+          <ac:picMkLst>
+            <pc:docMk/>
+            <pc:sldMk cId="765410610" sldId="349"/>
+            <ac:picMk id="283" creationId="{A2AB4D40-7293-CFF8-AE85-651363075948}"/>
+          </ac:picMkLst>
+        </pc:picChg>
+        <pc:picChg chg="mod">
+          <ac:chgData name="Jiefan Wang" userId="a454bc85b889c0e6" providerId="LiveId" clId="{AD7BDFF0-25B0-4CC0-82C3-E051218C1442}" dt="2023-11-13T06:50:08.150" v="4" actId="1076"/>
+          <ac:picMkLst>
+            <pc:docMk/>
+            <pc:sldMk cId="765410610" sldId="349"/>
+            <ac:picMk id="284" creationId="{A631E264-D181-6110-7EAF-DFD96DB0F6E8}"/>
+          </ac:picMkLst>
+        </pc:picChg>
+        <pc:picChg chg="mod">
+          <ac:chgData name="Jiefan Wang" userId="a454bc85b889c0e6" providerId="LiveId" clId="{AD7BDFF0-25B0-4CC0-82C3-E051218C1442}" dt="2023-11-13T06:50:08.150" v="4" actId="1076"/>
+          <ac:picMkLst>
+            <pc:docMk/>
+            <pc:sldMk cId="765410610" sldId="349"/>
+            <ac:picMk id="285" creationId="{BD4FA2AC-F8B8-85BA-45C4-4477E778E0A4}"/>
+          </ac:picMkLst>
+        </pc:picChg>
+        <pc:cxnChg chg="mod">
+          <ac:chgData name="Jiefan Wang" userId="a454bc85b889c0e6" providerId="LiveId" clId="{AD7BDFF0-25B0-4CC0-82C3-E051218C1442}" dt="2023-11-13T06:50:27.771" v="15" actId="1037"/>
+          <ac:cxnSpMkLst>
+            <pc:docMk/>
+            <pc:sldMk cId="765410610" sldId="349"/>
+            <ac:cxnSpMk id="2" creationId="{2F9ADA66-8DB3-8732-730D-D60092CD6268}"/>
+          </ac:cxnSpMkLst>
+        </pc:cxnChg>
+        <pc:cxnChg chg="mod">
+          <ac:chgData name="Jiefan Wang" userId="a454bc85b889c0e6" providerId="LiveId" clId="{AD7BDFF0-25B0-4CC0-82C3-E051218C1442}" dt="2023-11-13T06:50:27.771" v="15" actId="1037"/>
+          <ac:cxnSpMkLst>
+            <pc:docMk/>
+            <pc:sldMk cId="765410610" sldId="349"/>
+            <ac:cxnSpMk id="18" creationId="{F3EE1A76-AFB3-45EE-2120-0F5A339762E7}"/>
+          </ac:cxnSpMkLst>
+        </pc:cxnChg>
+        <pc:cxnChg chg="mod">
+          <ac:chgData name="Jiefan Wang" userId="a454bc85b889c0e6" providerId="LiveId" clId="{AD7BDFF0-25B0-4CC0-82C3-E051218C1442}" dt="2023-11-13T06:50:27.771" v="15" actId="1037"/>
+          <ac:cxnSpMkLst>
+            <pc:docMk/>
+            <pc:sldMk cId="765410610" sldId="349"/>
+            <ac:cxnSpMk id="34" creationId="{99C49CAE-C2A9-1547-A40E-CBEF76138B1F}"/>
+          </ac:cxnSpMkLst>
+        </pc:cxnChg>
+        <pc:cxnChg chg="mod">
+          <ac:chgData name="Jiefan Wang" userId="a454bc85b889c0e6" providerId="LiveId" clId="{AD7BDFF0-25B0-4CC0-82C3-E051218C1442}" dt="2023-11-13T06:50:27.771" v="15" actId="1037"/>
+          <ac:cxnSpMkLst>
+            <pc:docMk/>
+            <pc:sldMk cId="765410610" sldId="349"/>
+            <ac:cxnSpMk id="38" creationId="{5FA5DBB0-A712-AE94-8DF1-2962A168F34A}"/>
+          </ac:cxnSpMkLst>
+        </pc:cxnChg>
+        <pc:cxnChg chg="mod">
+          <ac:chgData name="Jiefan Wang" userId="a454bc85b889c0e6" providerId="LiveId" clId="{AD7BDFF0-25B0-4CC0-82C3-E051218C1442}" dt="2023-11-13T06:50:27.771" v="15" actId="1037"/>
+          <ac:cxnSpMkLst>
+            <pc:docMk/>
+            <pc:sldMk cId="765410610" sldId="349"/>
+            <ac:cxnSpMk id="42" creationId="{FE1824FC-6EF1-5373-C495-DAD7ADCA5D70}"/>
+          </ac:cxnSpMkLst>
+        </pc:cxnChg>
+        <pc:cxnChg chg="mod">
+          <ac:chgData name="Jiefan Wang" userId="a454bc85b889c0e6" providerId="LiveId" clId="{AD7BDFF0-25B0-4CC0-82C3-E051218C1442}" dt="2023-11-13T06:50:27.771" v="15" actId="1037"/>
+          <ac:cxnSpMkLst>
+            <pc:docMk/>
+            <pc:sldMk cId="765410610" sldId="349"/>
+            <ac:cxnSpMk id="50" creationId="{006FDA3C-B4EF-4DB8-3059-359E7A9E3A41}"/>
+          </ac:cxnSpMkLst>
+        </pc:cxnChg>
+        <pc:cxnChg chg="mod">
+          <ac:chgData name="Jiefan Wang" userId="a454bc85b889c0e6" providerId="LiveId" clId="{AD7BDFF0-25B0-4CC0-82C3-E051218C1442}" dt="2023-11-13T06:50:27.771" v="15" actId="1037"/>
+          <ac:cxnSpMkLst>
+            <pc:docMk/>
+            <pc:sldMk cId="765410610" sldId="349"/>
+            <ac:cxnSpMk id="63" creationId="{4030EFE1-CA96-341C-905A-3442032C41A0}"/>
+          </ac:cxnSpMkLst>
+        </pc:cxnChg>
+        <pc:cxnChg chg="mod">
+          <ac:chgData name="Jiefan Wang" userId="a454bc85b889c0e6" providerId="LiveId" clId="{AD7BDFF0-25B0-4CC0-82C3-E051218C1442}" dt="2023-11-13T06:50:27.771" v="15" actId="1037"/>
+          <ac:cxnSpMkLst>
+            <pc:docMk/>
+            <pc:sldMk cId="765410610" sldId="349"/>
+            <ac:cxnSpMk id="258" creationId="{2004A868-8EEB-E806-9A64-BAA262D5C3CD}"/>
+          </ac:cxnSpMkLst>
+        </pc:cxnChg>
+        <pc:cxnChg chg="mod">
+          <ac:chgData name="Jiefan Wang" userId="a454bc85b889c0e6" providerId="LiveId" clId="{AD7BDFF0-25B0-4CC0-82C3-E051218C1442}" dt="2023-11-13T06:50:27.771" v="15" actId="1037"/>
+          <ac:cxnSpMkLst>
+            <pc:docMk/>
+            <pc:sldMk cId="765410610" sldId="349"/>
+            <ac:cxnSpMk id="259" creationId="{901B95AD-2F31-8A5B-6234-D63A313FDF61}"/>
+          </ac:cxnSpMkLst>
+        </pc:cxnChg>
+        <pc:cxnChg chg="mod">
+          <ac:chgData name="Jiefan Wang" userId="a454bc85b889c0e6" providerId="LiveId" clId="{AD7BDFF0-25B0-4CC0-82C3-E051218C1442}" dt="2023-11-13T06:50:27.771" v="15" actId="1037"/>
+          <ac:cxnSpMkLst>
+            <pc:docMk/>
+            <pc:sldMk cId="765410610" sldId="349"/>
+            <ac:cxnSpMk id="260" creationId="{C5B809C8-A8B3-10DA-3898-33FD5DBE4074}"/>
+          </ac:cxnSpMkLst>
+        </pc:cxnChg>
+        <pc:cxnChg chg="mod">
+          <ac:chgData name="Jiefan Wang" userId="a454bc85b889c0e6" providerId="LiveId" clId="{AD7BDFF0-25B0-4CC0-82C3-E051218C1442}" dt="2023-11-13T06:50:27.771" v="15" actId="1037"/>
+          <ac:cxnSpMkLst>
+            <pc:docMk/>
+            <pc:sldMk cId="765410610" sldId="349"/>
+            <ac:cxnSpMk id="261" creationId="{71AE30E5-8675-BAA1-DC51-2AAE93B1E160}"/>
+          </ac:cxnSpMkLst>
+        </pc:cxnChg>
+        <pc:cxnChg chg="mod">
+          <ac:chgData name="Jiefan Wang" userId="a454bc85b889c0e6" providerId="LiveId" clId="{AD7BDFF0-25B0-4CC0-82C3-E051218C1442}" dt="2023-11-13T06:50:27.771" v="15" actId="1037"/>
+          <ac:cxnSpMkLst>
+            <pc:docMk/>
+            <pc:sldMk cId="765410610" sldId="349"/>
+            <ac:cxnSpMk id="383" creationId="{65178639-4F8F-0B5E-6531-F01A27FCB678}"/>
+          </ac:cxnSpMkLst>
+        </pc:cxnChg>
+        <pc:cxnChg chg="mod">
+          <ac:chgData name="Jiefan Wang" userId="a454bc85b889c0e6" providerId="LiveId" clId="{AD7BDFF0-25B0-4CC0-82C3-E051218C1442}" dt="2023-11-13T06:50:27.771" v="15" actId="1037"/>
+          <ac:cxnSpMkLst>
+            <pc:docMk/>
+            <pc:sldMk cId="765410610" sldId="349"/>
+            <ac:cxnSpMk id="386" creationId="{FBE6B585-958A-CD92-D253-EDD3DFC81ECB}"/>
+          </ac:cxnSpMkLst>
+        </pc:cxnChg>
+        <pc:cxnChg chg="mod">
+          <ac:chgData name="Jiefan Wang" userId="a454bc85b889c0e6" providerId="LiveId" clId="{AD7BDFF0-25B0-4CC0-82C3-E051218C1442}" dt="2023-11-13T06:50:27.771" v="15" actId="1037"/>
+          <ac:cxnSpMkLst>
+            <pc:docMk/>
+            <pc:sldMk cId="765410610" sldId="349"/>
+            <ac:cxnSpMk id="393" creationId="{0C16B0C6-B9F2-5F62-B1EB-8674885CBEA3}"/>
+          </ac:cxnSpMkLst>
+        </pc:cxnChg>
+        <pc:cxnChg chg="mod">
+          <ac:chgData name="Jiefan Wang" userId="a454bc85b889c0e6" providerId="LiveId" clId="{AD7BDFF0-25B0-4CC0-82C3-E051218C1442}" dt="2023-11-13T06:50:27.771" v="15" actId="1037"/>
+          <ac:cxnSpMkLst>
+            <pc:docMk/>
+            <pc:sldMk cId="765410610" sldId="349"/>
+            <ac:cxnSpMk id="400" creationId="{F339565E-AC16-8D28-B7CB-C3B13617D9E1}"/>
+          </ac:cxnSpMkLst>
+        </pc:cxnChg>
+      </pc:sldChg>
+    </pc:docChg>
+  </pc:docChgLst>
+</pc:chgInfo>
 </file>
 
 <file path=ppt/notesMasters/notesMaster1.xml><?xml version="1.0" encoding="utf-8"?>
@@ -3759,7 +4204,7 @@
         </p:nvSpPr>
         <p:spPr>
           <a:xfrm>
-            <a:off x="330589" y="2240445"/>
+            <a:off x="447938" y="2240445"/>
             <a:ext cx="1672342" cy="2026755"/>
           </a:xfrm>
           <a:prstGeom prst="roundRect">
@@ -3813,7 +4258,7 @@
         </p:nvGrpSpPr>
         <p:grpSpPr>
           <a:xfrm>
-            <a:off x="4988457" y="5264542"/>
+            <a:off x="5105806" y="5264542"/>
             <a:ext cx="745996" cy="336212"/>
             <a:chOff x="4556845" y="3424255"/>
             <a:chExt cx="745996" cy="336212"/>
@@ -3942,8 +4387,8 @@
         </p:nvSpPr>
         <p:spPr>
           <a:xfrm>
-            <a:off x="3822077" y="5125789"/>
-            <a:ext cx="4712323" cy="1532763"/>
+            <a:off x="3939426" y="5125789"/>
+            <a:ext cx="4026523" cy="1532763"/>
           </a:xfrm>
           <a:prstGeom prst="roundRect">
             <a:avLst>
@@ -3996,7 +4441,7 @@
         </p:nvSpPr>
         <p:spPr>
           <a:xfrm>
-            <a:off x="2519152" y="422282"/>
+            <a:off x="2636501" y="422282"/>
             <a:ext cx="6597581" cy="4290716"/>
           </a:xfrm>
           <a:prstGeom prst="roundRect">
@@ -4050,10 +4495,10 @@
         </p:nvGrpSpPr>
         <p:grpSpPr>
           <a:xfrm>
-            <a:off x="8986102" y="1952742"/>
-            <a:ext cx="3590466" cy="1429221"/>
-            <a:chOff x="3570028" y="584140"/>
-            <a:chExt cx="3590466" cy="1429221"/>
+            <a:off x="8796675" y="1952878"/>
+            <a:ext cx="3590466" cy="1429085"/>
+            <a:chOff x="3263252" y="584276"/>
+            <a:chExt cx="3590466" cy="1429085"/>
           </a:xfrm>
         </p:grpSpPr>
         <p:sp>
@@ -4070,8 +4515,8 @@
           </p:nvSpPr>
           <p:spPr>
             <a:xfrm>
-              <a:off x="4073236" y="602600"/>
-              <a:ext cx="2514886" cy="1410761"/>
+              <a:off x="4073235" y="602600"/>
+              <a:ext cx="1948059" cy="1410761"/>
             </a:xfrm>
             <a:prstGeom prst="roundRect">
               <a:avLst>
@@ -4106,7 +4551,7 @@
                 </a:spcAft>
                 <a:buNone/>
               </a:pPr>
-              <a:endParaRPr/>
+              <a:endParaRPr dirty="0"/>
             </a:p>
           </p:txBody>
         </p:sp>
@@ -4124,7 +4569,7 @@
           </p:nvSpPr>
           <p:spPr>
             <a:xfrm>
-              <a:off x="3570028" y="584140"/>
+              <a:off x="3263252" y="584276"/>
               <a:ext cx="3590466" cy="692467"/>
             </a:xfrm>
             <a:prstGeom prst="rect">
@@ -4143,7 +4588,7 @@
             <a:p>
               <a:pPr algn="ctr"/>
               <a:r>
-                <a:rPr lang="en-SG" sz="1100" b="1">
+                <a:rPr lang="en-SG" sz="1100" b="1" dirty="0">
                   <a:latin typeface="Poppins"/>
                   <a:ea typeface="Poppins"/>
                   <a:cs typeface="Poppins"/>
@@ -4155,7 +4600,7 @@
             <a:p>
               <a:pPr algn="ctr"/>
               <a:r>
-                <a:rPr lang="en-SG" sz="1100" b="1">
+                <a:rPr lang="en-SG" sz="1100" b="1" dirty="0">
                   <a:latin typeface="Poppins"/>
                   <a:ea typeface="Poppins"/>
                   <a:cs typeface="Poppins"/>
@@ -4163,7 +4608,7 @@
                 </a:rPr>
                 <a:t>cloud managed cluster</a:t>
               </a:r>
-              <a:endParaRPr lang="en-SG" sz="1100">
+              <a:endParaRPr lang="en-SG" sz="1100" dirty="0">
                 <a:latin typeface="Poppins"/>
                 <a:ea typeface="Poppins"/>
                 <a:cs typeface="Poppins"/>
@@ -4180,7 +4625,7 @@
                 </a:spcAft>
                 <a:buNone/>
               </a:pPr>
-              <a:endParaRPr sz="1100">
+              <a:endParaRPr sz="1100" dirty="0">
                 <a:latin typeface="Poppins"/>
                 <a:ea typeface="Poppins"/>
                 <a:cs typeface="Poppins"/>
@@ -4191,10 +4636,10 @@
         </p:sp>
         <p:pic>
           <p:nvPicPr>
-            <p:cNvPr id="280" name="Picture 18" descr="Database Diagram Data - Free vector graphic on Pixabay">
+            <p:cNvPr id="281" name="Picture 18" descr="Database Diagram Data - Free vector graphic on Pixabay">
               <a:extLst>
                 <a:ext uri="{FF2B5EF4-FFF2-40B4-BE49-F238E27FC236}">
-                  <a16:creationId xmlns:a16="http://schemas.microsoft.com/office/drawing/2014/main" id="{BBE61C4C-AC5F-EFDF-DDB6-92E203CDE5A5}"/>
+                  <a16:creationId xmlns:a16="http://schemas.microsoft.com/office/drawing/2014/main" id="{5C1D99FC-B29A-9F34-FAFF-FD05DD62EB5C}"/>
                 </a:ext>
               </a:extLst>
             </p:cNvPr>
@@ -4218,54 +4663,7 @@
           </p:blipFill>
           <p:spPr bwMode="auto">
             <a:xfrm>
-              <a:off x="4221272" y="1142665"/>
-              <a:ext cx="676751" cy="584382"/>
-            </a:xfrm>
-            <a:prstGeom prst="rect">
-              <a:avLst/>
-            </a:prstGeom>
-            <a:noFill/>
-            <a:extLst>
-              <a:ext uri="{909E8E84-426E-40DD-AFC4-6F175D3DCCD1}">
-                <a14:hiddenFill xmlns:a14="http://schemas.microsoft.com/office/drawing/2010/main">
-                  <a:solidFill>
-                    <a:srgbClr val="FFFFFF"/>
-                  </a:solidFill>
-                </a14:hiddenFill>
-              </a:ext>
-            </a:extLst>
-          </p:spPr>
-        </p:pic>
-        <p:pic>
-          <p:nvPicPr>
-            <p:cNvPr id="281" name="Picture 18" descr="Database Diagram Data - Free vector graphic on Pixabay">
-              <a:extLst>
-                <a:ext uri="{FF2B5EF4-FFF2-40B4-BE49-F238E27FC236}">
-                  <a16:creationId xmlns:a16="http://schemas.microsoft.com/office/drawing/2014/main" id="{5C1D99FC-B29A-9F34-FAFF-FD05DD62EB5C}"/>
-                </a:ext>
-              </a:extLst>
-            </p:cNvPr>
-            <p:cNvPicPr>
-              <a:picLocks noChangeAspect="1" noChangeArrowheads="1"/>
-            </p:cNvPicPr>
-            <p:nvPr/>
-          </p:nvPicPr>
-          <p:blipFill>
-            <a:blip r:embed="rId3" cstate="print">
-              <a:extLst>
-                <a:ext uri="{28A0092B-C50C-407E-A947-70E740481C1C}">
-                  <a14:useLocalDpi xmlns:a14="http://schemas.microsoft.com/office/drawing/2010/main" val="0"/>
-                </a:ext>
-              </a:extLst>
-            </a:blip>
-            <a:srcRect/>
-            <a:stretch>
-              <a:fillRect/>
-            </a:stretch>
-          </p:blipFill>
-          <p:spPr bwMode="auto">
-            <a:xfrm>
-              <a:off x="5765866" y="1142931"/>
+              <a:off x="5000918" y="1142743"/>
               <a:ext cx="676751" cy="590876"/>
             </a:xfrm>
             <a:prstGeom prst="rect">
@@ -4298,7 +4696,7 @@
             <p:nvPr/>
           </p:nvPicPr>
           <p:blipFill>
-            <a:blip r:embed="rId2" cstate="print">
+            <a:blip r:embed="rId3" cstate="print">
               <a:extLst>
                 <a:ext uri="{28A0092B-C50C-407E-A947-70E740481C1C}">
                   <a14:useLocalDpi xmlns:a14="http://schemas.microsoft.com/office/drawing/2010/main" val="0"/>
@@ -4312,55 +4710,8 @@
           </p:blipFill>
           <p:spPr bwMode="auto">
             <a:xfrm>
-              <a:off x="4994387" y="1150220"/>
+              <a:off x="4229439" y="1150032"/>
               <a:ext cx="676751" cy="584383"/>
-            </a:xfrm>
-            <a:prstGeom prst="rect">
-              <a:avLst/>
-            </a:prstGeom>
-            <a:noFill/>
-            <a:extLst>
-              <a:ext uri="{909E8E84-426E-40DD-AFC4-6F175D3DCCD1}">
-                <a14:hiddenFill xmlns:a14="http://schemas.microsoft.com/office/drawing/2010/main">
-                  <a:solidFill>
-                    <a:srgbClr val="FFFFFF"/>
-                  </a:solidFill>
-                </a14:hiddenFill>
-              </a:ext>
-            </a:extLst>
-          </p:spPr>
-        </p:pic>
-        <p:pic>
-          <p:nvPicPr>
-            <p:cNvPr id="283" name="Picture 16" descr="redis original wordmark&quot; Icon - Download for free – Iconduck">
-              <a:extLst>
-                <a:ext uri="{FF2B5EF4-FFF2-40B4-BE49-F238E27FC236}">
-                  <a16:creationId xmlns:a16="http://schemas.microsoft.com/office/drawing/2014/main" id="{A2AB4D40-7293-CFF8-AE85-651363075948}"/>
-                </a:ext>
-              </a:extLst>
-            </p:cNvPr>
-            <p:cNvPicPr>
-              <a:picLocks noChangeAspect="1" noChangeArrowheads="1"/>
-            </p:cNvPicPr>
-            <p:nvPr/>
-          </p:nvPicPr>
-          <p:blipFill>
-            <a:blip r:embed="rId4" cstate="print">
-              <a:extLst>
-                <a:ext uri="{28A0092B-C50C-407E-A947-70E740481C1C}">
-                  <a14:useLocalDpi xmlns:a14="http://schemas.microsoft.com/office/drawing/2010/main" val="0"/>
-                </a:ext>
-              </a:extLst>
-            </a:blip>
-            <a:srcRect/>
-            <a:stretch>
-              <a:fillRect/>
-            </a:stretch>
-          </p:blipFill>
-          <p:spPr bwMode="auto">
-            <a:xfrm>
-              <a:off x="4521426" y="1453170"/>
-              <a:ext cx="419653" cy="419653"/>
             </a:xfrm>
             <a:prstGeom prst="rect">
               <a:avLst/>
@@ -4392,7 +4743,7 @@
             <p:nvPr/>
           </p:nvPicPr>
           <p:blipFill>
-            <a:blip r:embed="rId5" cstate="print">
+            <a:blip r:embed="rId4" cstate="print">
               <a:extLst>
                 <a:ext uri="{28A0092B-C50C-407E-A947-70E740481C1C}">
                   <a14:useLocalDpi xmlns:a14="http://schemas.microsoft.com/office/drawing/2010/main" val="0"/>
@@ -4406,7 +4757,7 @@
           </p:blipFill>
           <p:spPr bwMode="auto">
             <a:xfrm>
-              <a:off x="5194040" y="1343597"/>
+              <a:off x="4429092" y="1343409"/>
               <a:ext cx="590876" cy="590876"/>
             </a:xfrm>
             <a:prstGeom prst="rect">
@@ -4439,7 +4790,7 @@
             <p:nvPr/>
           </p:nvPicPr>
           <p:blipFill>
-            <a:blip r:embed="rId6" cstate="print">
+            <a:blip r:embed="rId5" cstate="print">
               <a:extLst>
                 <a:ext uri="{28A0092B-C50C-407E-A947-70E740481C1C}">
                   <a14:useLocalDpi xmlns:a14="http://schemas.microsoft.com/office/drawing/2010/main" val="0"/>
@@ -4453,7 +4804,7 @@
           </p:blipFill>
           <p:spPr bwMode="auto">
             <a:xfrm>
-              <a:off x="5960534" y="1305478"/>
+              <a:off x="5195586" y="1305290"/>
               <a:ext cx="594182" cy="659397"/>
             </a:xfrm>
             <a:prstGeom prst="rect">
@@ -4486,7 +4837,7 @@
         </p:nvSpPr>
         <p:spPr>
           <a:xfrm>
-            <a:off x="1995462" y="8532"/>
+            <a:off x="2112811" y="8532"/>
             <a:ext cx="3490937" cy="461635"/>
           </a:xfrm>
           <a:prstGeom prst="rect">
@@ -4530,7 +4881,7 @@
         </p:nvSpPr>
         <p:spPr>
           <a:xfrm>
-            <a:off x="3766481" y="4728140"/>
+            <a:off x="3883830" y="4728140"/>
             <a:ext cx="3123571" cy="461635"/>
           </a:xfrm>
           <a:prstGeom prst="rect">
@@ -4587,7 +4938,7 @@
         </p:nvGrpSpPr>
         <p:grpSpPr>
           <a:xfrm>
-            <a:off x="492944" y="2249084"/>
+            <a:off x="610293" y="2249084"/>
             <a:ext cx="1314269" cy="1385481"/>
             <a:chOff x="168723" y="4494125"/>
             <a:chExt cx="1314269" cy="1385481"/>
@@ -4666,7 +5017,7 @@
             <p:nvPr/>
           </p:nvPicPr>
           <p:blipFill>
-            <a:blip r:embed="rId7"/>
+            <a:blip r:embed="rId6"/>
             <a:stretch>
               <a:fillRect/>
             </a:stretch>
@@ -4703,7 +5054,7 @@
         </p:nvGrpSpPr>
         <p:grpSpPr>
           <a:xfrm>
-            <a:off x="3886199" y="5297029"/>
+            <a:off x="4003548" y="5297029"/>
             <a:ext cx="2050200" cy="1160505"/>
             <a:chOff x="9551410" y="1676301"/>
             <a:chExt cx="2050200" cy="1160505"/>
@@ -4854,7 +5205,7 @@
               <p:nvPr/>
             </p:nvPicPr>
             <p:blipFill>
-              <a:blip r:embed="rId8">
+              <a:blip r:embed="rId7">
                 <a:alphaModFix/>
               </a:blip>
               <a:stretch>
@@ -4888,7 +5239,7 @@
               <p:nvPr/>
             </p:nvPicPr>
             <p:blipFill>
-              <a:blip r:embed="rId8">
+              <a:blip r:embed="rId7">
                 <a:alphaModFix/>
               </a:blip>
               <a:stretch>
@@ -4922,7 +5273,7 @@
               <p:nvPr/>
             </p:nvPicPr>
             <p:blipFill>
-              <a:blip r:embed="rId8">
+              <a:blip r:embed="rId7">
                 <a:alphaModFix/>
               </a:blip>
               <a:stretch>
@@ -4959,7 +5310,7 @@
         </p:nvGrpSpPr>
         <p:grpSpPr>
           <a:xfrm>
-            <a:off x="5864878" y="5303369"/>
+            <a:off x="5982227" y="5303369"/>
             <a:ext cx="1722189" cy="1160590"/>
             <a:chOff x="9677779" y="1676216"/>
             <a:chExt cx="1722189" cy="1160590"/>
@@ -5110,7 +5461,7 @@
               <p:nvPr/>
             </p:nvPicPr>
             <p:blipFill>
-              <a:blip r:embed="rId8">
+              <a:blip r:embed="rId7">
                 <a:alphaModFix/>
               </a:blip>
               <a:stretch>
@@ -5144,7 +5495,7 @@
               <p:nvPr/>
             </p:nvPicPr>
             <p:blipFill>
-              <a:blip r:embed="rId8">
+              <a:blip r:embed="rId7">
                 <a:alphaModFix/>
               </a:blip>
               <a:stretch>
@@ -5178,7 +5529,7 @@
               <p:nvPr/>
             </p:nvPicPr>
             <p:blipFill>
-              <a:blip r:embed="rId8">
+              <a:blip r:embed="rId7">
                 <a:alphaModFix/>
               </a:blip>
               <a:stretch>
@@ -5215,7 +5566,7 @@
         </p:nvSpPr>
         <p:spPr>
           <a:xfrm>
-            <a:off x="-269749" y="1776584"/>
+            <a:off x="-152400" y="1776584"/>
             <a:ext cx="1468154" cy="461635"/>
           </a:xfrm>
           <a:prstGeom prst="rect">
@@ -5259,7 +5610,7 @@
         </p:nvGrpSpPr>
         <p:grpSpPr>
           <a:xfrm>
-            <a:off x="4070019" y="685800"/>
+            <a:off x="4187368" y="685800"/>
             <a:ext cx="3054247" cy="461635"/>
             <a:chOff x="2120549" y="3479285"/>
             <a:chExt cx="1479932" cy="1781902"/>
@@ -5380,7 +5731,7 @@
         </p:nvCxnSpPr>
         <p:spPr>
           <a:xfrm flipH="1">
-            <a:off x="2011376" y="3021197"/>
+            <a:off x="2128725" y="3021197"/>
             <a:ext cx="507776" cy="1673"/>
           </a:xfrm>
           <a:prstGeom prst="straightConnector1">
@@ -5427,7 +5778,7 @@
         </p:nvCxnSpPr>
         <p:spPr>
           <a:xfrm>
-            <a:off x="5791200" y="4712998"/>
+            <a:off x="5908549" y="4712998"/>
             <a:ext cx="0" cy="412791"/>
           </a:xfrm>
           <a:prstGeom prst="straightConnector1">
@@ -5471,7 +5822,7 @@
         </p:nvSpPr>
         <p:spPr>
           <a:xfrm>
-            <a:off x="6170681" y="4776959"/>
+            <a:off x="6288030" y="4776959"/>
             <a:ext cx="1876357" cy="369332"/>
           </a:xfrm>
           <a:prstGeom prst="rect">
@@ -5513,7 +5864,7 @@
         </p:nvSpPr>
         <p:spPr>
           <a:xfrm>
-            <a:off x="9442103" y="3420465"/>
+            <a:off x="9559452" y="3420465"/>
             <a:ext cx="2609299" cy="584775"/>
           </a:xfrm>
           <a:prstGeom prst="rect">
@@ -5557,7 +5908,7 @@
         </p:nvCxnSpPr>
         <p:spPr>
           <a:xfrm flipH="1" flipV="1">
-            <a:off x="3593086" y="915075"/>
+            <a:off x="3710435" y="915075"/>
             <a:ext cx="503610" cy="1542"/>
           </a:xfrm>
           <a:prstGeom prst="straightConnector1">
@@ -5604,7 +5955,7 @@
         </p:nvCxnSpPr>
         <p:spPr>
           <a:xfrm flipH="1">
-            <a:off x="8390737" y="2514600"/>
+            <a:off x="8508086" y="2514600"/>
             <a:ext cx="1096120" cy="0"/>
           </a:xfrm>
           <a:prstGeom prst="straightConnector1">
@@ -5649,14 +6000,14 @@
           <p:nvPr/>
         </p:nvPicPr>
         <p:blipFill>
-          <a:blip r:embed="rId9"/>
+          <a:blip r:embed="rId8"/>
           <a:stretch>
             <a:fillRect/>
           </a:stretch>
         </p:blipFill>
         <p:spPr>
           <a:xfrm>
-            <a:off x="493570" y="2725125"/>
+            <a:off x="610919" y="2725125"/>
             <a:ext cx="1312835" cy="908886"/>
           </a:xfrm>
           <a:prstGeom prst="rect">
@@ -5679,7 +6030,7 @@
           <p:nvPr/>
         </p:nvPicPr>
         <p:blipFill>
-          <a:blip r:embed="rId10" cstate="print">
+          <a:blip r:embed="rId9" cstate="print">
             <a:extLst>
               <a:ext uri="{28A0092B-C50C-407E-A947-70E740481C1C}">
                 <a14:useLocalDpi xmlns:a14="http://schemas.microsoft.com/office/drawing/2010/main" val="0"/>
@@ -5692,7 +6043,7 @@
         </p:blipFill>
         <p:spPr>
           <a:xfrm>
-            <a:off x="4969034" y="5571040"/>
+            <a:off x="5086383" y="5571040"/>
             <a:ext cx="667845" cy="667845"/>
           </a:xfrm>
           <a:prstGeom prst="rect">
@@ -5715,14 +6066,14 @@
           <p:nvPr/>
         </p:nvPicPr>
         <p:blipFill>
-          <a:blip r:embed="rId11"/>
+          <a:blip r:embed="rId10"/>
           <a:stretch>
             <a:fillRect/>
           </a:stretch>
         </p:blipFill>
         <p:spPr>
           <a:xfrm>
-            <a:off x="6666101" y="5792240"/>
+            <a:off x="6783450" y="5792240"/>
             <a:ext cx="840900" cy="285479"/>
           </a:xfrm>
           <a:prstGeom prst="rect">
@@ -5746,7 +6097,7 @@
         </p:nvCxnSpPr>
         <p:spPr>
           <a:xfrm flipV="1">
-            <a:off x="6021320" y="4712998"/>
+            <a:off x="6138669" y="4712998"/>
             <a:ext cx="0" cy="392028"/>
           </a:xfrm>
           <a:prstGeom prst="straightConnector1">
@@ -5790,7 +6141,7 @@
         </p:nvGrpSpPr>
         <p:grpSpPr>
           <a:xfrm>
-            <a:off x="2870774" y="685800"/>
+            <a:off x="2988123" y="685800"/>
             <a:ext cx="729939" cy="3613396"/>
             <a:chOff x="2120549" y="3479285"/>
             <a:chExt cx="1479932" cy="1781902"/>
@@ -5921,7 +6272,7 @@
           <p:nvPr/>
         </p:nvPicPr>
         <p:blipFill>
-          <a:blip r:embed="rId12" cstate="print">
+          <a:blip r:embed="rId11" cstate="print">
             <a:extLst>
               <a:ext uri="{28A0092B-C50C-407E-A947-70E740481C1C}">
                 <a14:useLocalDpi xmlns:a14="http://schemas.microsoft.com/office/drawing/2010/main" val="0"/>
@@ -5934,7 +6285,7 @@
         </p:blipFill>
         <p:spPr>
           <a:xfrm>
-            <a:off x="876906" y="3709973"/>
+            <a:off x="994255" y="3709973"/>
             <a:ext cx="525444" cy="470167"/>
           </a:xfrm>
           <a:prstGeom prst="rect">
@@ -5956,7 +6307,7 @@
         </p:nvGrpSpPr>
         <p:grpSpPr>
           <a:xfrm>
-            <a:off x="4070019" y="1258357"/>
+            <a:off x="4187368" y="1258357"/>
             <a:ext cx="3054247" cy="461635"/>
             <a:chOff x="2120549" y="3479285"/>
             <a:chExt cx="1479932" cy="1781902"/>
@@ -6077,7 +6428,7 @@
         </p:nvCxnSpPr>
         <p:spPr>
           <a:xfrm flipH="1" flipV="1">
-            <a:off x="3593086" y="1487632"/>
+            <a:off x="3710435" y="1487632"/>
             <a:ext cx="503610" cy="1542"/>
           </a:xfrm>
           <a:prstGeom prst="straightConnector1">
@@ -6122,7 +6473,7 @@
         </p:nvGrpSpPr>
         <p:grpSpPr>
           <a:xfrm>
-            <a:off x="4070019" y="2513179"/>
+            <a:off x="4187368" y="2513179"/>
             <a:ext cx="3054247" cy="463972"/>
             <a:chOff x="2120549" y="3479285"/>
             <a:chExt cx="1479932" cy="1790923"/>
@@ -6243,7 +6594,7 @@
         </p:nvCxnSpPr>
         <p:spPr>
           <a:xfrm flipH="1" flipV="1">
-            <a:off x="3593086" y="2742454"/>
+            <a:off x="3710435" y="2742454"/>
             <a:ext cx="503610" cy="1542"/>
           </a:xfrm>
           <a:prstGeom prst="straightConnector1">
@@ -6288,7 +6639,7 @@
         </p:nvGrpSpPr>
         <p:grpSpPr>
           <a:xfrm>
-            <a:off x="4070019" y="3164021"/>
+            <a:off x="4187368" y="3164021"/>
             <a:ext cx="3054247" cy="464298"/>
             <a:chOff x="2120549" y="3479285"/>
             <a:chExt cx="1479932" cy="1792182"/>
@@ -6409,7 +6760,7 @@
         </p:nvCxnSpPr>
         <p:spPr>
           <a:xfrm flipH="1" flipV="1">
-            <a:off x="3593086" y="3393296"/>
+            <a:off x="3710435" y="3393296"/>
             <a:ext cx="503610" cy="1542"/>
           </a:xfrm>
           <a:prstGeom prst="straightConnector1">
@@ -6454,7 +6805,7 @@
         </p:nvGrpSpPr>
         <p:grpSpPr>
           <a:xfrm>
-            <a:off x="4070019" y="1875661"/>
+            <a:off x="4187368" y="1875661"/>
             <a:ext cx="3054247" cy="461635"/>
             <a:chOff x="2120549" y="3479285"/>
             <a:chExt cx="1479932" cy="1781902"/>
@@ -6573,7 +6924,7 @@
         </p:nvGrpSpPr>
         <p:grpSpPr>
           <a:xfrm>
-            <a:off x="4070019" y="3816405"/>
+            <a:off x="4187368" y="3816405"/>
             <a:ext cx="3054247" cy="464298"/>
             <a:chOff x="2120549" y="3479285"/>
             <a:chExt cx="1479932" cy="1792182"/>
@@ -6694,7 +7045,7 @@
         </p:nvCxnSpPr>
         <p:spPr>
           <a:xfrm flipH="1" flipV="1">
-            <a:off x="3593086" y="4045680"/>
+            <a:off x="3710435" y="4045680"/>
             <a:ext cx="503610" cy="1542"/>
           </a:xfrm>
           <a:prstGeom prst="straightConnector1">
@@ -6740,13 +7091,13 @@
           <p:nvPr/>
         </p:nvPicPr>
         <p:blipFill>
-          <a:blip r:embed="rId13" cstate="print">
+          <a:blip r:embed="rId12" cstate="print">
             <a:extLst>
               <a:ext uri="{28A0092B-C50C-407E-A947-70E740481C1C}">
                 <a14:useLocalDpi xmlns:a14="http://schemas.microsoft.com/office/drawing/2010/main" val="0"/>
               </a:ext>
               <a:ext uri="{96DAC541-7B7A-43D3-8B79-37D633B846F1}">
-                <asvg:svgBlip xmlns:asvg="http://schemas.microsoft.com/office/drawing/2016/SVG/main" r:embed="rId14"/>
+                <asvg:svgBlip xmlns:asvg="http://schemas.microsoft.com/office/drawing/2016/SVG/main" r:embed="rId13"/>
               </a:ext>
             </a:extLst>
           </a:blip>
@@ -6756,7 +7107,7 @@
         </p:blipFill>
         <p:spPr>
           <a:xfrm>
-            <a:off x="2981325" y="3213355"/>
+            <a:off x="3098674" y="3213355"/>
             <a:ext cx="495300" cy="495300"/>
           </a:xfrm>
           <a:prstGeom prst="rect">
@@ -6778,7 +7129,7 @@
         </p:nvGrpSpPr>
         <p:grpSpPr>
           <a:xfrm>
-            <a:off x="7652061" y="677255"/>
+            <a:off x="7769410" y="677255"/>
             <a:ext cx="729939" cy="3613396"/>
             <a:chOff x="2120549" y="3479285"/>
             <a:chExt cx="1479932" cy="1781902"/>
@@ -6903,14 +7254,14 @@
           <p:nvPr/>
         </p:nvPicPr>
         <p:blipFill>
-          <a:blip r:embed="rId15"/>
+          <a:blip r:embed="rId14"/>
           <a:stretch>
             <a:fillRect/>
           </a:stretch>
         </p:blipFill>
         <p:spPr>
           <a:xfrm>
-            <a:off x="7728784" y="3116080"/>
+            <a:off x="7846133" y="3116080"/>
             <a:ext cx="626268" cy="677434"/>
           </a:xfrm>
           <a:prstGeom prst="rect">
@@ -6934,7 +7285,7 @@
         </p:nvCxnSpPr>
         <p:spPr>
           <a:xfrm>
-            <a:off x="8393111" y="2821772"/>
+            <a:off x="8510460" y="2821772"/>
             <a:ext cx="1093746" cy="0"/>
           </a:xfrm>
           <a:prstGeom prst="straightConnector1">
@@ -6980,7 +7331,7 @@
         </p:nvCxnSpPr>
         <p:spPr>
           <a:xfrm flipH="1" flipV="1">
-            <a:off x="7136358" y="1494723"/>
+            <a:off x="7253707" y="1494723"/>
             <a:ext cx="503610" cy="1542"/>
           </a:xfrm>
           <a:prstGeom prst="straightConnector1">
@@ -7027,7 +7378,7 @@
         </p:nvCxnSpPr>
         <p:spPr>
           <a:xfrm flipH="1" flipV="1">
-            <a:off x="7128432" y="914769"/>
+            <a:off x="7245781" y="914769"/>
             <a:ext cx="503610" cy="1542"/>
           </a:xfrm>
           <a:prstGeom prst="straightConnector1">
@@ -7074,7 +7425,7 @@
         </p:nvCxnSpPr>
         <p:spPr>
           <a:xfrm flipH="1" flipV="1">
-            <a:off x="7136358" y="2742454"/>
+            <a:off x="7253707" y="2742454"/>
             <a:ext cx="503610" cy="1542"/>
           </a:xfrm>
           <a:prstGeom prst="straightConnector1">
@@ -7121,7 +7472,7 @@
         </p:nvCxnSpPr>
         <p:spPr>
           <a:xfrm flipH="1" flipV="1">
-            <a:off x="7136358" y="4048128"/>
+            <a:off x="7253707" y="4048128"/>
             <a:ext cx="503610" cy="1542"/>
           </a:xfrm>
           <a:prstGeom prst="straightConnector1">
@@ -7168,7 +7519,7 @@
         </p:nvCxnSpPr>
         <p:spPr>
           <a:xfrm flipH="1" flipV="1">
-            <a:off x="3575450" y="2102159"/>
+            <a:off x="3692799" y="2102159"/>
             <a:ext cx="503610" cy="1542"/>
           </a:xfrm>
           <a:prstGeom prst="straightConnector1">
@@ -7214,45 +7565,15 @@
           <p:nvPr/>
         </p:nvPicPr>
         <p:blipFill>
-          <a:blip r:embed="rId16"/>
+          <a:blip r:embed="rId15"/>
           <a:stretch>
             <a:fillRect/>
           </a:stretch>
         </p:blipFill>
         <p:spPr>
           <a:xfrm>
-            <a:off x="8438313" y="3745231"/>
+            <a:off x="8555662" y="3745231"/>
             <a:ext cx="633831" cy="729590"/>
-          </a:xfrm>
-          <a:prstGeom prst="rect">
-            <a:avLst/>
-          </a:prstGeom>
-        </p:spPr>
-      </p:pic>
-      <p:pic>
-        <p:nvPicPr>
-          <p:cNvPr id="16" name="Picture 15">
-            <a:extLst>
-              <a:ext uri="{FF2B5EF4-FFF2-40B4-BE49-F238E27FC236}">
-                <a16:creationId xmlns:a16="http://schemas.microsoft.com/office/drawing/2014/main" id="{77A47465-ABF7-05C8-AB64-699DA14DC74A}"/>
-              </a:ext>
-            </a:extLst>
-          </p:cNvPr>
-          <p:cNvPicPr>
-            <a:picLocks noChangeAspect="1"/>
-          </p:cNvPicPr>
-          <p:nvPr/>
-        </p:nvPicPr>
-        <p:blipFill>
-          <a:blip r:embed="rId17"/>
-          <a:stretch>
-            <a:fillRect/>
-          </a:stretch>
-        </p:blipFill>
-        <p:spPr>
-          <a:xfrm>
-            <a:off x="7607899" y="5846678"/>
-            <a:ext cx="826000" cy="764663"/>
           </a:xfrm>
           <a:prstGeom prst="rect">
             <a:avLst/>
